--- a/2nd Semester/MathAnalysis_Day_073 Continue Project.pptx
+++ b/2nd Semester/MathAnalysis_Day_073 Continue Project.pptx
@@ -202,7 +202,7 @@
           <a:p>
             <a:fld id="{0090E0ED-51A2-4D0E-BDCF-E17571396CEC}" type="datetimeFigureOut">
               <a:rPr lang="en-US" smtClean="0"/>
-              <a:t>4/25/2018</a:t>
+              <a:t>4/27/2018</a:t>
             </a:fld>
             <a:endParaRPr lang="en-US"/>
           </a:p>
@@ -455,7 +455,7 @@
             <a:fld id="{87DE6118-2437-4B30-8E3C-4D2BE6020583}" type="datetimeFigureOut">
               <a:rPr lang="en-US" dirty="0"/>
               <a:pPr/>
-              <a:t>4/25/2018</a:t>
+              <a:t>4/27/2018</a:t>
             </a:fld>
             <a:endParaRPr lang="en-US" dirty="0"/>
           </a:p>
@@ -781,7 +781,7 @@
           <a:p>
             <a:fld id="{87DE6118-2437-4B30-8E3C-4D2BE6020583}" type="datetimeFigureOut">
               <a:rPr lang="en-US" dirty="0"/>
-              <a:t>4/25/2018</a:t>
+              <a:t>4/27/2018</a:t>
             </a:fld>
             <a:endParaRPr lang="en-US" dirty="0"/>
           </a:p>
@@ -956,7 +956,7 @@
           <a:p>
             <a:fld id="{87DE6118-2437-4B30-8E3C-4D2BE6020583}" type="datetimeFigureOut">
               <a:rPr lang="en-US" dirty="0"/>
-              <a:t>4/25/2018</a:t>
+              <a:t>4/27/2018</a:t>
             </a:fld>
             <a:endParaRPr lang="en-US" dirty="0"/>
           </a:p>
@@ -1121,7 +1121,7 @@
           <a:p>
             <a:fld id="{87DE6118-2437-4B30-8E3C-4D2BE6020583}" type="datetimeFigureOut">
               <a:rPr lang="en-US" dirty="0"/>
-              <a:t>4/25/2018</a:t>
+              <a:t>4/27/2018</a:t>
             </a:fld>
             <a:endParaRPr lang="en-US" dirty="0"/>
           </a:p>
@@ -1394,7 +1394,7 @@
             <a:fld id="{87DE6118-2437-4B30-8E3C-4D2BE6020583}" type="datetimeFigureOut">
               <a:rPr lang="en-US" dirty="0"/>
               <a:pPr/>
-              <a:t>4/25/2018</a:t>
+              <a:t>4/27/2018</a:t>
             </a:fld>
             <a:endParaRPr lang="en-US" dirty="0"/>
           </a:p>
@@ -1784,7 +1784,7 @@
           <a:p>
             <a:fld id="{87DE6118-2437-4B30-8E3C-4D2BE6020583}" type="datetimeFigureOut">
               <a:rPr lang="en-US" dirty="0"/>
-              <a:t>4/25/2018</a:t>
+              <a:t>4/27/2018</a:t>
             </a:fld>
             <a:endParaRPr lang="en-US" dirty="0"/>
           </a:p>
@@ -2256,7 +2256,7 @@
           <a:p>
             <a:fld id="{87DE6118-2437-4B30-8E3C-4D2BE6020583}" type="datetimeFigureOut">
               <a:rPr lang="en-US" dirty="0"/>
-              <a:t>4/25/2018</a:t>
+              <a:t>4/27/2018</a:t>
             </a:fld>
             <a:endParaRPr lang="en-US" dirty="0"/>
           </a:p>
@@ -2369,7 +2369,7 @@
           <a:p>
             <a:fld id="{87DE6118-2437-4B30-8E3C-4D2BE6020583}" type="datetimeFigureOut">
               <a:rPr lang="en-US" dirty="0"/>
-              <a:t>4/25/2018</a:t>
+              <a:t>4/27/2018</a:t>
             </a:fld>
             <a:endParaRPr lang="en-US" dirty="0"/>
           </a:p>
@@ -2459,7 +2459,7 @@
           <a:p>
             <a:fld id="{87DE6118-2437-4B30-8E3C-4D2BE6020583}" type="datetimeFigureOut">
               <a:rPr lang="en-US" dirty="0"/>
-              <a:t>4/25/2018</a:t>
+              <a:t>4/27/2018</a:t>
             </a:fld>
             <a:endParaRPr lang="en-US" dirty="0"/>
           </a:p>
@@ -2801,7 +2801,7 @@
             <a:fld id="{87DE6118-2437-4B30-8E3C-4D2BE6020583}" type="datetimeFigureOut">
               <a:rPr lang="en-US" dirty="0"/>
               <a:pPr/>
-              <a:t>4/25/2018</a:t>
+              <a:t>4/27/2018</a:t>
             </a:fld>
             <a:endParaRPr lang="en-US" dirty="0"/>
           </a:p>
@@ -3186,7 +3186,7 @@
             <a:fld id="{87DE6118-2437-4B30-8E3C-4D2BE6020583}" type="datetimeFigureOut">
               <a:rPr lang="en-US" dirty="0"/>
               <a:pPr/>
-              <a:t>4/25/2018</a:t>
+              <a:t>4/27/2018</a:t>
             </a:fld>
             <a:endParaRPr lang="en-US" dirty="0"/>
           </a:p>
@@ -3461,7 +3461,7 @@
             <a:fld id="{87DE6118-2437-4B30-8E3C-4D2BE6020583}" type="datetimeFigureOut">
               <a:rPr lang="en-US" dirty="0"/>
               <a:pPr/>
-              <a:t>4/25/2018</a:t>
+              <a:t>4/27/2018</a:t>
             </a:fld>
             <a:endParaRPr lang="en-US" dirty="0"/>
           </a:p>
@@ -4009,11 +4009,7 @@
           <a:p>
             <a:r>
               <a:rPr lang="en-US" dirty="0" smtClean="0"/>
-              <a:t>Day </a:t>
-            </a:r>
-            <a:r>
-              <a:rPr lang="en-US" dirty="0" smtClean="0"/>
-              <a:t>73</a:t>
+              <a:t>Day 73</a:t>
             </a:r>
             <a:endParaRPr lang="en-US" dirty="0"/>
           </a:p>
@@ -4463,11 +4459,7 @@
             </a:pPr>
             <a:r>
               <a:rPr lang="en-US" sz="3400" smtClean="0"/>
-              <a:t>Essentially </a:t>
-            </a:r>
-            <a:r>
-              <a:rPr lang="en-US" sz="3400" smtClean="0"/>
-              <a:t>2 </a:t>
+              <a:t>Essentially 2 </a:t>
             </a:r>
             <a:r>
               <a:rPr lang="en-US" sz="3400" b="1" i="1" u="sng" dirty="0" smtClean="0"/>
